--- a/My Web/XAMPP - 2 作業.pptx
+++ b/My Web/XAMPP - 2 作業.pptx
@@ -7,9 +7,9 @@
   <p:sldIdLst>
     <p:sldId id="262" r:id="rId2"/>
     <p:sldId id="258" r:id="rId3"/>
-    <p:sldId id="261" r:id="rId4"/>
-    <p:sldId id="259" r:id="rId5"/>
-    <p:sldId id="260" r:id="rId6"/>
+    <p:sldId id="260" r:id="rId4"/>
+    <p:sldId id="263" r:id="rId5"/>
+    <p:sldId id="264" r:id="rId6"/>
   </p:sldIdLst>
   <p:sldSz cx="9144000" cy="6858000" type="screen4x3"/>
   <p:notesSz cx="6858000" cy="9144000"/>
@@ -292,7 +292,7 @@
           <a:p>
             <a:fld id="{65AC49FE-31A6-4EA4-AACD-4BF4538CA04A}" type="datetimeFigureOut">
               <a:rPr lang="zh-TW" altLang="en-US" smtClean="0"/>
-              <a:t>2019/10/3</a:t>
+              <a:t>2019/10/6</a:t>
             </a:fld>
             <a:endParaRPr lang="zh-TW" altLang="en-US"/>
           </a:p>
@@ -462,7 +462,7 @@
           <a:p>
             <a:fld id="{65AC49FE-31A6-4EA4-AACD-4BF4538CA04A}" type="datetimeFigureOut">
               <a:rPr lang="zh-TW" altLang="en-US" smtClean="0"/>
-              <a:t>2019/10/3</a:t>
+              <a:t>2019/10/6</a:t>
             </a:fld>
             <a:endParaRPr lang="zh-TW" altLang="en-US"/>
           </a:p>
@@ -642,7 +642,7 @@
           <a:p>
             <a:fld id="{65AC49FE-31A6-4EA4-AACD-4BF4538CA04A}" type="datetimeFigureOut">
               <a:rPr lang="zh-TW" altLang="en-US" smtClean="0"/>
-              <a:t>2019/10/3</a:t>
+              <a:t>2019/10/6</a:t>
             </a:fld>
             <a:endParaRPr lang="zh-TW" altLang="en-US"/>
           </a:p>
@@ -812,7 +812,7 @@
           <a:p>
             <a:fld id="{65AC49FE-31A6-4EA4-AACD-4BF4538CA04A}" type="datetimeFigureOut">
               <a:rPr lang="zh-TW" altLang="en-US" smtClean="0"/>
-              <a:t>2019/10/3</a:t>
+              <a:t>2019/10/6</a:t>
             </a:fld>
             <a:endParaRPr lang="zh-TW" altLang="en-US"/>
           </a:p>
@@ -1058,7 +1058,7 @@
           <a:p>
             <a:fld id="{65AC49FE-31A6-4EA4-AACD-4BF4538CA04A}" type="datetimeFigureOut">
               <a:rPr lang="zh-TW" altLang="en-US" smtClean="0"/>
-              <a:t>2019/10/3</a:t>
+              <a:t>2019/10/6</a:t>
             </a:fld>
             <a:endParaRPr lang="zh-TW" altLang="en-US"/>
           </a:p>
@@ -1346,7 +1346,7 @@
           <a:p>
             <a:fld id="{65AC49FE-31A6-4EA4-AACD-4BF4538CA04A}" type="datetimeFigureOut">
               <a:rPr lang="zh-TW" altLang="en-US" smtClean="0"/>
-              <a:t>2019/10/3</a:t>
+              <a:t>2019/10/6</a:t>
             </a:fld>
             <a:endParaRPr lang="zh-TW" altLang="en-US"/>
           </a:p>
@@ -1768,7 +1768,7 @@
           <a:p>
             <a:fld id="{65AC49FE-31A6-4EA4-AACD-4BF4538CA04A}" type="datetimeFigureOut">
               <a:rPr lang="zh-TW" altLang="en-US" smtClean="0"/>
-              <a:t>2019/10/3</a:t>
+              <a:t>2019/10/6</a:t>
             </a:fld>
             <a:endParaRPr lang="zh-TW" altLang="en-US"/>
           </a:p>
@@ -1886,7 +1886,7 @@
           <a:p>
             <a:fld id="{65AC49FE-31A6-4EA4-AACD-4BF4538CA04A}" type="datetimeFigureOut">
               <a:rPr lang="zh-TW" altLang="en-US" smtClean="0"/>
-              <a:t>2019/10/3</a:t>
+              <a:t>2019/10/6</a:t>
             </a:fld>
             <a:endParaRPr lang="zh-TW" altLang="en-US"/>
           </a:p>
@@ -1981,7 +1981,7 @@
           <a:p>
             <a:fld id="{65AC49FE-31A6-4EA4-AACD-4BF4538CA04A}" type="datetimeFigureOut">
               <a:rPr lang="zh-TW" altLang="en-US" smtClean="0"/>
-              <a:t>2019/10/3</a:t>
+              <a:t>2019/10/6</a:t>
             </a:fld>
             <a:endParaRPr lang="zh-TW" altLang="en-US"/>
           </a:p>
@@ -2258,7 +2258,7 @@
           <a:p>
             <a:fld id="{65AC49FE-31A6-4EA4-AACD-4BF4538CA04A}" type="datetimeFigureOut">
               <a:rPr lang="zh-TW" altLang="en-US" smtClean="0"/>
-              <a:t>2019/10/3</a:t>
+              <a:t>2019/10/6</a:t>
             </a:fld>
             <a:endParaRPr lang="zh-TW" altLang="en-US"/>
           </a:p>
@@ -2511,7 +2511,7 @@
           <a:p>
             <a:fld id="{65AC49FE-31A6-4EA4-AACD-4BF4538CA04A}" type="datetimeFigureOut">
               <a:rPr lang="zh-TW" altLang="en-US" smtClean="0"/>
-              <a:t>2019/10/3</a:t>
+              <a:t>2019/10/6</a:t>
             </a:fld>
             <a:endParaRPr lang="zh-TW" altLang="en-US"/>
           </a:p>
@@ -2724,7 +2724,7 @@
           <a:p>
             <a:fld id="{65AC49FE-31A6-4EA4-AACD-4BF4538CA04A}" type="datetimeFigureOut">
               <a:rPr lang="zh-TW" altLang="en-US" smtClean="0"/>
-              <a:t>2019/10/3</a:t>
+              <a:t>2019/10/6</a:t>
             </a:fld>
             <a:endParaRPr lang="zh-TW" altLang="en-US"/>
           </a:p>
@@ -3197,7 +3197,7 @@
       </p:grpSpPr>
       <p:pic>
         <p:nvPicPr>
-          <p:cNvPr id="4098" name="Picture 2"/>
+          <p:cNvPr id="2050" name="Picture 2"/>
           <p:cNvPicPr>
             <a:picLocks noGrp="1" noChangeAspect="1" noChangeArrowheads="1"/>
           </p:cNvPicPr>
@@ -3220,8 +3220,8 @@
         </p:blipFill>
         <p:spPr bwMode="auto">
           <a:xfrm>
-            <a:off x="755576" y="692696"/>
-            <a:ext cx="7760417" cy="5688632"/>
+            <a:off x="827584" y="1196752"/>
+            <a:ext cx="7488832" cy="4906737"/>
           </a:xfrm>
           <a:prstGeom prst="rect">
             <a:avLst/>
@@ -3293,7 +3293,7 @@
       </p:grpSpPr>
       <p:pic>
         <p:nvPicPr>
-          <p:cNvPr id="5122" name="Picture 2"/>
+          <p:cNvPr id="1027" name="Picture 3"/>
           <p:cNvPicPr>
             <a:picLocks noGrp="1" noChangeAspect="1" noChangeArrowheads="1"/>
           </p:cNvPicPr>
@@ -3316,200 +3316,8 @@
         </p:blipFill>
         <p:spPr bwMode="auto">
           <a:xfrm>
-            <a:off x="909470" y="823064"/>
-            <a:ext cx="7471164" cy="5257800"/>
-          </a:xfrm>
-          <a:prstGeom prst="rect">
-            <a:avLst/>
-          </a:prstGeom>
-          <a:noFill/>
-          <a:ln>
-            <a:noFill/>
-          </a:ln>
-          <a:effectLst/>
-          <a:extLst>
-            <a:ext uri="{909E8E84-426E-40DD-AFC4-6F175D3DCCD1}">
-              <a14:hiddenFill xmlns:a14="http://schemas.microsoft.com/office/drawing/2010/main">
-                <a:solidFill>
-                  <a:schemeClr val="accent1"/>
-                </a:solidFill>
-              </a14:hiddenFill>
-            </a:ext>
-            <a:ext uri="{91240B29-F687-4F45-9708-019B960494DF}">
-              <a14:hiddenLine xmlns:a14="http://schemas.microsoft.com/office/drawing/2010/main" w="9525">
-                <a:solidFill>
-                  <a:schemeClr val="tx1"/>
-                </a:solidFill>
-                <a:miter lim="800000"/>
-                <a:headEnd/>
-                <a:tailEnd/>
-              </a14:hiddenLine>
-            </a:ext>
-            <a:ext uri="{AF507438-7753-43E0-B8FC-AC1667EBCBE1}">
-              <a14:hiddenEffects xmlns:a14="http://schemas.microsoft.com/office/drawing/2010/main">
-                <a:effectLst>
-                  <a:outerShdw dist="35921" dir="2700000" algn="ctr" rotWithShape="0">
-                    <a:schemeClr val="bg2"/>
-                  </a:outerShdw>
-                </a:effectLst>
-              </a14:hiddenEffects>
-            </a:ext>
-          </a:extLst>
-        </p:spPr>
-      </p:pic>
-    </p:spTree>
-    <p:extLst>
-      <p:ext uri="{BB962C8B-B14F-4D97-AF65-F5344CB8AC3E}">
-        <p14:creationId xmlns:p14="http://schemas.microsoft.com/office/powerpoint/2010/main" val="7044568"/>
-      </p:ext>
-    </p:extLst>
-  </p:cSld>
-  <p:clrMapOvr>
-    <a:masterClrMapping/>
-  </p:clrMapOvr>
-</p:sld>
-</file>
-
-<file path=ppt/slides/slide4.xml><?xml version="1.0" encoding="utf-8"?>
-<p:sld xmlns:a="http://schemas.openxmlformats.org/drawingml/2006/main" xmlns:r="http://schemas.openxmlformats.org/officeDocument/2006/relationships" xmlns:p="http://schemas.openxmlformats.org/presentationml/2006/main">
-  <p:cSld>
-    <p:spTree>
-      <p:nvGrpSpPr>
-        <p:cNvPr id="1" name=""/>
-        <p:cNvGrpSpPr/>
-        <p:nvPr/>
-      </p:nvGrpSpPr>
-      <p:grpSpPr>
-        <a:xfrm>
-          <a:off x="0" y="0"/>
-          <a:ext cx="0" cy="0"/>
-          <a:chOff x="0" y="0"/>
-          <a:chExt cx="0" cy="0"/>
-        </a:xfrm>
-      </p:grpSpPr>
-      <p:pic>
-        <p:nvPicPr>
-          <p:cNvPr id="3074" name="Picture 2"/>
-          <p:cNvPicPr>
-            <a:picLocks noGrp="1" noChangeAspect="1" noChangeArrowheads="1"/>
-          </p:cNvPicPr>
-          <p:nvPr>
-            <p:ph idx="1"/>
-          </p:nvPr>
-        </p:nvPicPr>
-        <p:blipFill>
-          <a:blip r:embed="rId2">
-            <a:extLst>
-              <a:ext uri="{28A0092B-C50C-407E-A947-70E740481C1C}">
-                <a14:useLocalDpi xmlns:a14="http://schemas.microsoft.com/office/drawing/2010/main" val="0"/>
-              </a:ext>
-            </a:extLst>
-          </a:blip>
-          <a:srcRect/>
-          <a:stretch>
-            <a:fillRect/>
-          </a:stretch>
-        </p:blipFill>
-        <p:spPr bwMode="auto">
-          <a:xfrm>
-            <a:off x="251520" y="764704"/>
-            <a:ext cx="8631067" cy="5501208"/>
-          </a:xfrm>
-          <a:prstGeom prst="rect">
-            <a:avLst/>
-          </a:prstGeom>
-          <a:noFill/>
-          <a:ln>
-            <a:noFill/>
-          </a:ln>
-          <a:effectLst/>
-          <a:extLst>
-            <a:ext uri="{909E8E84-426E-40DD-AFC4-6F175D3DCCD1}">
-              <a14:hiddenFill xmlns:a14="http://schemas.microsoft.com/office/drawing/2010/main">
-                <a:solidFill>
-                  <a:schemeClr val="accent1"/>
-                </a:solidFill>
-              </a14:hiddenFill>
-            </a:ext>
-            <a:ext uri="{91240B29-F687-4F45-9708-019B960494DF}">
-              <a14:hiddenLine xmlns:a14="http://schemas.microsoft.com/office/drawing/2010/main" w="9525">
-                <a:solidFill>
-                  <a:schemeClr val="tx1"/>
-                </a:solidFill>
-                <a:miter lim="800000"/>
-                <a:headEnd/>
-                <a:tailEnd/>
-              </a14:hiddenLine>
-            </a:ext>
-            <a:ext uri="{AF507438-7753-43E0-B8FC-AC1667EBCBE1}">
-              <a14:hiddenEffects xmlns:a14="http://schemas.microsoft.com/office/drawing/2010/main">
-                <a:effectLst>
-                  <a:outerShdw dist="35921" dir="2700000" algn="ctr" rotWithShape="0">
-                    <a:schemeClr val="bg2"/>
-                  </a:outerShdw>
-                </a:effectLst>
-              </a14:hiddenEffects>
-            </a:ext>
-          </a:extLst>
-        </p:spPr>
-      </p:pic>
-    </p:spTree>
-    <p:extLst>
-      <p:ext uri="{BB962C8B-B14F-4D97-AF65-F5344CB8AC3E}">
-        <p14:creationId xmlns:p14="http://schemas.microsoft.com/office/powerpoint/2010/main" val="4265281092"/>
-      </p:ext>
-    </p:extLst>
-  </p:cSld>
-  <p:clrMapOvr>
-    <a:masterClrMapping/>
-  </p:clrMapOvr>
-</p:sld>
-</file>
-
-<file path=ppt/slides/slide5.xml><?xml version="1.0" encoding="utf-8"?>
-<p:sld xmlns:a="http://schemas.openxmlformats.org/drawingml/2006/main" xmlns:r="http://schemas.openxmlformats.org/officeDocument/2006/relationships" xmlns:p="http://schemas.openxmlformats.org/presentationml/2006/main">
-  <p:cSld>
-    <p:spTree>
-      <p:nvGrpSpPr>
-        <p:cNvPr id="1" name=""/>
-        <p:cNvGrpSpPr/>
-        <p:nvPr/>
-      </p:nvGrpSpPr>
-      <p:grpSpPr>
-        <a:xfrm>
-          <a:off x="0" y="0"/>
-          <a:ext cx="0" cy="0"/>
-          <a:chOff x="0" y="0"/>
-          <a:chExt cx="0" cy="0"/>
-        </a:xfrm>
-      </p:grpSpPr>
-      <p:pic>
-        <p:nvPicPr>
-          <p:cNvPr id="2050" name="Picture 2"/>
-          <p:cNvPicPr>
-            <a:picLocks noGrp="1" noChangeAspect="1" noChangeArrowheads="1"/>
-          </p:cNvPicPr>
-          <p:nvPr>
-            <p:ph idx="1"/>
-          </p:nvPr>
-        </p:nvPicPr>
-        <p:blipFill>
-          <a:blip r:embed="rId2">
-            <a:extLst>
-              <a:ext uri="{28A0092B-C50C-407E-A947-70E740481C1C}">
-                <a14:useLocalDpi xmlns:a14="http://schemas.microsoft.com/office/drawing/2010/main" val="0"/>
-              </a:ext>
-            </a:extLst>
-          </a:blip>
-          <a:srcRect/>
-          <a:stretch>
-            <a:fillRect/>
-          </a:stretch>
-        </p:blipFill>
-        <p:spPr bwMode="auto">
-          <a:xfrm>
-            <a:off x="457200" y="1737202"/>
-            <a:ext cx="8229600" cy="4251959"/>
+            <a:off x="717794" y="1124744"/>
+            <a:ext cx="7670630" cy="5030940"/>
           </a:xfrm>
           <a:prstGeom prst="rect">
             <a:avLst/>
@@ -3553,6 +3361,161 @@
     <p:extLst>
       <p:ext uri="{BB962C8B-B14F-4D97-AF65-F5344CB8AC3E}">
         <p14:creationId xmlns:p14="http://schemas.microsoft.com/office/powerpoint/2010/main" val="838594258"/>
+      </p:ext>
+    </p:extLst>
+  </p:cSld>
+  <p:clrMapOvr>
+    <a:masterClrMapping/>
+  </p:clrMapOvr>
+</p:sld>
+</file>
+
+<file path=ppt/slides/slide4.xml><?xml version="1.0" encoding="utf-8"?>
+<p:sld xmlns:a="http://schemas.openxmlformats.org/drawingml/2006/main" xmlns:r="http://schemas.openxmlformats.org/officeDocument/2006/relationships" xmlns:p="http://schemas.openxmlformats.org/presentationml/2006/main">
+  <p:cSld>
+    <p:spTree>
+      <p:nvGrpSpPr>
+        <p:cNvPr id="1" name=""/>
+        <p:cNvGrpSpPr/>
+        <p:nvPr/>
+      </p:nvGrpSpPr>
+      <p:grpSpPr>
+        <a:xfrm>
+          <a:off x="0" y="0"/>
+          <a:ext cx="0" cy="0"/>
+          <a:chOff x="0" y="0"/>
+          <a:chExt cx="0" cy="0"/>
+        </a:xfrm>
+      </p:grpSpPr>
+      <p:pic>
+        <p:nvPicPr>
+          <p:cNvPr id="3074" name="Picture 2"/>
+          <p:cNvPicPr>
+            <a:picLocks noGrp="1" noChangeAspect="1" noChangeArrowheads="1"/>
+          </p:cNvPicPr>
+          <p:nvPr>
+            <p:ph idx="1"/>
+          </p:nvPr>
+        </p:nvPicPr>
+        <p:blipFill>
+          <a:blip r:embed="rId2">
+            <a:extLst>
+              <a:ext uri="{28A0092B-C50C-407E-A947-70E740481C1C}">
+                <a14:useLocalDpi xmlns:a14="http://schemas.microsoft.com/office/drawing/2010/main" val="0"/>
+              </a:ext>
+            </a:extLst>
+          </a:blip>
+          <a:srcRect/>
+          <a:stretch>
+            <a:fillRect/>
+          </a:stretch>
+        </p:blipFill>
+        <p:spPr bwMode="auto">
+          <a:xfrm>
+            <a:off x="179512" y="548680"/>
+            <a:ext cx="8784976" cy="5472608"/>
+          </a:xfrm>
+          <a:prstGeom prst="rect">
+            <a:avLst/>
+          </a:prstGeom>
+          <a:noFill/>
+          <a:ln>
+            <a:noFill/>
+          </a:ln>
+          <a:effectLst/>
+          <a:extLst>
+            <a:ext uri="{909E8E84-426E-40DD-AFC4-6F175D3DCCD1}">
+              <a14:hiddenFill xmlns:a14="http://schemas.microsoft.com/office/drawing/2010/main">
+                <a:solidFill>
+                  <a:schemeClr val="accent1"/>
+                </a:solidFill>
+              </a14:hiddenFill>
+            </a:ext>
+            <a:ext uri="{91240B29-F687-4F45-9708-019B960494DF}">
+              <a14:hiddenLine xmlns:a14="http://schemas.microsoft.com/office/drawing/2010/main" w="9525">
+                <a:solidFill>
+                  <a:schemeClr val="tx1"/>
+                </a:solidFill>
+                <a:miter lim="800000"/>
+                <a:headEnd/>
+                <a:tailEnd/>
+              </a14:hiddenLine>
+            </a:ext>
+            <a:ext uri="{AF507438-7753-43E0-B8FC-AC1667EBCBE1}">
+              <a14:hiddenEffects xmlns:a14="http://schemas.microsoft.com/office/drawing/2010/main">
+                <a:effectLst>
+                  <a:outerShdw dist="35921" dir="2700000" algn="ctr" rotWithShape="0">
+                    <a:schemeClr val="bg2"/>
+                  </a:outerShdw>
+                </a:effectLst>
+              </a14:hiddenEffects>
+            </a:ext>
+          </a:extLst>
+        </p:spPr>
+      </p:pic>
+    </p:spTree>
+    <p:extLst>
+      <p:ext uri="{BB962C8B-B14F-4D97-AF65-F5344CB8AC3E}">
+        <p14:creationId xmlns:p14="http://schemas.microsoft.com/office/powerpoint/2010/main" val="3579130935"/>
+      </p:ext>
+    </p:extLst>
+  </p:cSld>
+  <p:clrMapOvr>
+    <a:masterClrMapping/>
+  </p:clrMapOvr>
+</p:sld>
+</file>
+
+<file path=ppt/slides/slide5.xml><?xml version="1.0" encoding="utf-8"?>
+<p:sld xmlns:a="http://schemas.openxmlformats.org/drawingml/2006/main" xmlns:r="http://schemas.openxmlformats.org/officeDocument/2006/relationships" xmlns:p="http://schemas.openxmlformats.org/presentationml/2006/main">
+  <p:cSld>
+    <p:spTree>
+      <p:nvGrpSpPr>
+        <p:cNvPr id="1" name=""/>
+        <p:cNvGrpSpPr/>
+        <p:nvPr/>
+      </p:nvGrpSpPr>
+      <p:grpSpPr>
+        <a:xfrm>
+          <a:off x="0" y="0"/>
+          <a:ext cx="0" cy="0"/>
+          <a:chOff x="0" y="0"/>
+          <a:chExt cx="0" cy="0"/>
+        </a:xfrm>
+      </p:grpSpPr>
+      <p:pic>
+        <p:nvPicPr>
+          <p:cNvPr id="4" name="內容版面配置區 3"/>
+          <p:cNvPicPr>
+            <a:picLocks noGrp="1" noChangeAspect="1"/>
+          </p:cNvPicPr>
+          <p:nvPr>
+            <p:ph idx="1"/>
+          </p:nvPr>
+        </p:nvPicPr>
+        <p:blipFill>
+          <a:blip r:embed="rId2" cstate="print">
+            <a:extLst>
+              <a:ext uri="{28A0092B-C50C-407E-A947-70E740481C1C}">
+                <a14:useLocalDpi xmlns:a14="http://schemas.microsoft.com/office/drawing/2010/main" val="0"/>
+              </a:ext>
+            </a:extLst>
+          </a:blip>
+          <a:stretch>
+            <a:fillRect/>
+          </a:stretch>
+        </p:blipFill>
+        <p:spPr>
+          <a:xfrm>
+            <a:off x="611560" y="404663"/>
+            <a:ext cx="7992888" cy="6192689"/>
+          </a:xfrm>
+        </p:spPr>
+      </p:pic>
+    </p:spTree>
+    <p:extLst>
+      <p:ext uri="{BB962C8B-B14F-4D97-AF65-F5344CB8AC3E}">
+        <p14:creationId xmlns:p14="http://schemas.microsoft.com/office/powerpoint/2010/main" val="1407393544"/>
       </p:ext>
     </p:extLst>
   </p:cSld>
